--- a/agr_gdp_plot.pptx
+++ b/agr_gdp_plot.pptx
@@ -3212,695 +3212,7 @@
         </p:sp>
         <p:sp>
           <p:nvSpPr>
-            <p:cNvPr id="6" name="pl6"/>
-            <p:cNvSpPr/>
-            <p:nvPr/>
-          </p:nvSpPr>
-          <p:spPr>
-            <a:xfrm>
-              <a:off x="4245369" y="7338812"/>
-              <a:ext cx="6886441" cy="0"/>
-            </a:xfrm>
-            <a:custGeom>
-              <a:avLst/>
-              <a:pathLst>
-                <a:path w="6886441" h="0">
-                  <a:moveTo>
-                    <a:pt x="0" y="0"/>
-                  </a:moveTo>
-                  <a:lnTo>
-                    <a:pt x="6886441" y="0"/>
-                  </a:lnTo>
-                  <a:lnTo>
-                    <a:pt x="6886441" y="0"/>
-                  </a:lnTo>
-                </a:path>
-              </a:pathLst>
-            </a:custGeom>
-            <a:ln w="6775" cap="flat">
-              <a:solidFill>
-                <a:srgbClr val="EBEBEB">
-                  <a:alpha val="100000"/>
-                </a:srgbClr>
-              </a:solidFill>
-              <a:prstDash val="solid"/>
-              <a:round/>
-            </a:ln>
-          </p:spPr>
-          <p:txBody>
-            <a:bodyPr/>
-            <a:lstStyle/>
-            <a:p/>
-          </p:txBody>
-        </p:sp>
-        <p:sp>
-          <p:nvSpPr>
-            <p:cNvPr id="7" name="pl7"/>
-            <p:cNvSpPr/>
-            <p:nvPr/>
-          </p:nvSpPr>
-          <p:spPr>
-            <a:xfrm>
-              <a:off x="4245369" y="4938476"/>
-              <a:ext cx="6886441" cy="0"/>
-            </a:xfrm>
-            <a:custGeom>
-              <a:avLst/>
-              <a:pathLst>
-                <a:path w="6886441" h="0">
-                  <a:moveTo>
-                    <a:pt x="0" y="0"/>
-                  </a:moveTo>
-                  <a:lnTo>
-                    <a:pt x="6886441" y="0"/>
-                  </a:lnTo>
-                  <a:lnTo>
-                    <a:pt x="6886441" y="0"/>
-                  </a:lnTo>
-                </a:path>
-              </a:pathLst>
-            </a:custGeom>
-            <a:ln w="6775" cap="flat">
-              <a:solidFill>
-                <a:srgbClr val="EBEBEB">
-                  <a:alpha val="100000"/>
-                </a:srgbClr>
-              </a:solidFill>
-              <a:prstDash val="solid"/>
-              <a:round/>
-            </a:ln>
-          </p:spPr>
-          <p:txBody>
-            <a:bodyPr/>
-            <a:lstStyle/>
-            <a:p/>
-          </p:txBody>
-        </p:sp>
-        <p:sp>
-          <p:nvSpPr>
-            <p:cNvPr id="8" name="pl8"/>
-            <p:cNvSpPr/>
-            <p:nvPr/>
-          </p:nvSpPr>
-          <p:spPr>
-            <a:xfrm>
-              <a:off x="4245369" y="2538139"/>
-              <a:ext cx="6886441" cy="0"/>
-            </a:xfrm>
-            <a:custGeom>
-              <a:avLst/>
-              <a:pathLst>
-                <a:path w="6886441" h="0">
-                  <a:moveTo>
-                    <a:pt x="0" y="0"/>
-                  </a:moveTo>
-                  <a:lnTo>
-                    <a:pt x="6886441" y="0"/>
-                  </a:lnTo>
-                  <a:lnTo>
-                    <a:pt x="6886441" y="0"/>
-                  </a:lnTo>
-                </a:path>
-              </a:pathLst>
-            </a:custGeom>
-            <a:ln w="6775" cap="flat">
-              <a:solidFill>
-                <a:srgbClr val="EBEBEB">
-                  <a:alpha val="100000"/>
-                </a:srgbClr>
-              </a:solidFill>
-              <a:prstDash val="solid"/>
-              <a:round/>
-            </a:ln>
-          </p:spPr>
-          <p:txBody>
-            <a:bodyPr/>
-            <a:lstStyle/>
-            <a:p/>
-          </p:txBody>
-        </p:sp>
-        <p:sp>
-          <p:nvSpPr>
-            <p:cNvPr id="9" name="pl9"/>
-            <p:cNvSpPr/>
-            <p:nvPr/>
-          </p:nvSpPr>
-          <p:spPr>
-            <a:xfrm>
-              <a:off x="4500689" y="1761070"/>
-              <a:ext cx="0" cy="6839678"/>
-            </a:xfrm>
-            <a:custGeom>
-              <a:avLst/>
-              <a:pathLst>
-                <a:path w="0" h="6839678">
-                  <a:moveTo>
-                    <a:pt x="0" y="6839678"/>
-                  </a:moveTo>
-                  <a:lnTo>
-                    <a:pt x="0" y="0"/>
-                  </a:lnTo>
-                  <a:lnTo>
-                    <a:pt x="0" y="0"/>
-                  </a:lnTo>
-                </a:path>
-              </a:pathLst>
-            </a:custGeom>
-            <a:ln w="6775" cap="flat">
-              <a:solidFill>
-                <a:srgbClr val="EBEBEB">
-                  <a:alpha val="100000"/>
-                </a:srgbClr>
-              </a:solidFill>
-              <a:prstDash val="solid"/>
-              <a:round/>
-            </a:ln>
-          </p:spPr>
-          <p:txBody>
-            <a:bodyPr/>
-            <a:lstStyle/>
-            <a:p/>
-          </p:txBody>
-        </p:sp>
-        <p:sp>
-          <p:nvSpPr>
-            <p:cNvPr id="10" name="pl10"/>
-            <p:cNvSpPr/>
-            <p:nvPr/>
-          </p:nvSpPr>
-          <p:spPr>
-            <a:xfrm>
-              <a:off x="5943178" y="1761070"/>
-              <a:ext cx="0" cy="6839678"/>
-            </a:xfrm>
-            <a:custGeom>
-              <a:avLst/>
-              <a:pathLst>
-                <a:path w="0" h="6839678">
-                  <a:moveTo>
-                    <a:pt x="0" y="6839678"/>
-                  </a:moveTo>
-                  <a:lnTo>
-                    <a:pt x="0" y="0"/>
-                  </a:lnTo>
-                  <a:lnTo>
-                    <a:pt x="0" y="0"/>
-                  </a:lnTo>
-                </a:path>
-              </a:pathLst>
-            </a:custGeom>
-            <a:ln w="6775" cap="flat">
-              <a:solidFill>
-                <a:srgbClr val="EBEBEB">
-                  <a:alpha val="100000"/>
-                </a:srgbClr>
-              </a:solidFill>
-              <a:prstDash val="solid"/>
-              <a:round/>
-            </a:ln>
-          </p:spPr>
-          <p:txBody>
-            <a:bodyPr/>
-            <a:lstStyle/>
-            <a:p/>
-          </p:txBody>
-        </p:sp>
-        <p:sp>
-          <p:nvSpPr>
-            <p:cNvPr id="11" name="pl11"/>
-            <p:cNvSpPr/>
-            <p:nvPr/>
-          </p:nvSpPr>
-          <p:spPr>
-            <a:xfrm>
-              <a:off x="7385667" y="1761070"/>
-              <a:ext cx="0" cy="6839678"/>
-            </a:xfrm>
-            <a:custGeom>
-              <a:avLst/>
-              <a:pathLst>
-                <a:path w="0" h="6839678">
-                  <a:moveTo>
-                    <a:pt x="0" y="6839678"/>
-                  </a:moveTo>
-                  <a:lnTo>
-                    <a:pt x="0" y="0"/>
-                  </a:lnTo>
-                  <a:lnTo>
-                    <a:pt x="0" y="0"/>
-                  </a:lnTo>
-                </a:path>
-              </a:pathLst>
-            </a:custGeom>
-            <a:ln w="6775" cap="flat">
-              <a:solidFill>
-                <a:srgbClr val="EBEBEB">
-                  <a:alpha val="100000"/>
-                </a:srgbClr>
-              </a:solidFill>
-              <a:prstDash val="solid"/>
-              <a:round/>
-            </a:ln>
-          </p:spPr>
-          <p:txBody>
-            <a:bodyPr/>
-            <a:lstStyle/>
-            <a:p/>
-          </p:txBody>
-        </p:sp>
-        <p:sp>
-          <p:nvSpPr>
-            <p:cNvPr id="12" name="pl12"/>
-            <p:cNvSpPr/>
-            <p:nvPr/>
-          </p:nvSpPr>
-          <p:spPr>
-            <a:xfrm>
-              <a:off x="8828156" y="1761070"/>
-              <a:ext cx="0" cy="6839678"/>
-            </a:xfrm>
-            <a:custGeom>
-              <a:avLst/>
-              <a:pathLst>
-                <a:path w="0" h="6839678">
-                  <a:moveTo>
-                    <a:pt x="0" y="6839678"/>
-                  </a:moveTo>
-                  <a:lnTo>
-                    <a:pt x="0" y="0"/>
-                  </a:lnTo>
-                  <a:lnTo>
-                    <a:pt x="0" y="0"/>
-                  </a:lnTo>
-                </a:path>
-              </a:pathLst>
-            </a:custGeom>
-            <a:ln w="6775" cap="flat">
-              <a:solidFill>
-                <a:srgbClr val="EBEBEB">
-                  <a:alpha val="100000"/>
-                </a:srgbClr>
-              </a:solidFill>
-              <a:prstDash val="solid"/>
-              <a:round/>
-            </a:ln>
-          </p:spPr>
-          <p:txBody>
-            <a:bodyPr/>
-            <a:lstStyle/>
-            <a:p/>
-          </p:txBody>
-        </p:sp>
-        <p:sp>
-          <p:nvSpPr>
-            <p:cNvPr id="13" name="pl13"/>
-            <p:cNvSpPr/>
-            <p:nvPr/>
-          </p:nvSpPr>
-          <p:spPr>
-            <a:xfrm>
-              <a:off x="10270645" y="1761070"/>
-              <a:ext cx="0" cy="6839678"/>
-            </a:xfrm>
-            <a:custGeom>
-              <a:avLst/>
-              <a:pathLst>
-                <a:path w="0" h="6839678">
-                  <a:moveTo>
-                    <a:pt x="0" y="6839678"/>
-                  </a:moveTo>
-                  <a:lnTo>
-                    <a:pt x="0" y="0"/>
-                  </a:lnTo>
-                  <a:lnTo>
-                    <a:pt x="0" y="0"/>
-                  </a:lnTo>
-                </a:path>
-              </a:pathLst>
-            </a:custGeom>
-            <a:ln w="6775" cap="flat">
-              <a:solidFill>
-                <a:srgbClr val="EBEBEB">
-                  <a:alpha val="100000"/>
-                </a:srgbClr>
-              </a:solidFill>
-              <a:prstDash val="solid"/>
-              <a:round/>
-            </a:ln>
-          </p:spPr>
-          <p:txBody>
-            <a:bodyPr/>
-            <a:lstStyle/>
-            <a:p/>
-          </p:txBody>
-        </p:sp>
-        <p:sp>
-          <p:nvSpPr>
-            <p:cNvPr id="14" name="pl14"/>
-            <p:cNvSpPr/>
-            <p:nvPr/>
-          </p:nvSpPr>
-          <p:spPr>
-            <a:xfrm>
-              <a:off x="4245369" y="8538980"/>
-              <a:ext cx="6886441" cy="0"/>
-            </a:xfrm>
-            <a:custGeom>
-              <a:avLst/>
-              <a:pathLst>
-                <a:path w="6886441" h="0">
-                  <a:moveTo>
-                    <a:pt x="0" y="0"/>
-                  </a:moveTo>
-                  <a:lnTo>
-                    <a:pt x="6886441" y="0"/>
-                  </a:lnTo>
-                  <a:lnTo>
-                    <a:pt x="6886441" y="0"/>
-                  </a:lnTo>
-                </a:path>
-              </a:pathLst>
-            </a:custGeom>
-            <a:ln w="13550" cap="flat">
-              <a:solidFill>
-                <a:srgbClr val="EBEBEB">
-                  <a:alpha val="100000"/>
-                </a:srgbClr>
-              </a:solidFill>
-              <a:prstDash val="solid"/>
-              <a:round/>
-            </a:ln>
-          </p:spPr>
-          <p:txBody>
-            <a:bodyPr/>
-            <a:lstStyle/>
-            <a:p/>
-          </p:txBody>
-        </p:sp>
-        <p:sp>
-          <p:nvSpPr>
-            <p:cNvPr id="15" name="pl15"/>
-            <p:cNvSpPr/>
-            <p:nvPr/>
-          </p:nvSpPr>
-          <p:spPr>
-            <a:xfrm>
-              <a:off x="4245369" y="6138644"/>
-              <a:ext cx="6886441" cy="0"/>
-            </a:xfrm>
-            <a:custGeom>
-              <a:avLst/>
-              <a:pathLst>
-                <a:path w="6886441" h="0">
-                  <a:moveTo>
-                    <a:pt x="0" y="0"/>
-                  </a:moveTo>
-                  <a:lnTo>
-                    <a:pt x="6886441" y="0"/>
-                  </a:lnTo>
-                  <a:lnTo>
-                    <a:pt x="6886441" y="0"/>
-                  </a:lnTo>
-                </a:path>
-              </a:pathLst>
-            </a:custGeom>
-            <a:ln w="13550" cap="flat">
-              <a:solidFill>
-                <a:srgbClr val="EBEBEB">
-                  <a:alpha val="100000"/>
-                </a:srgbClr>
-              </a:solidFill>
-              <a:prstDash val="solid"/>
-              <a:round/>
-            </a:ln>
-          </p:spPr>
-          <p:txBody>
-            <a:bodyPr/>
-            <a:lstStyle/>
-            <a:p/>
-          </p:txBody>
-        </p:sp>
-        <p:sp>
-          <p:nvSpPr>
-            <p:cNvPr id="16" name="pl16"/>
-            <p:cNvSpPr/>
-            <p:nvPr/>
-          </p:nvSpPr>
-          <p:spPr>
-            <a:xfrm>
-              <a:off x="4245369" y="3738307"/>
-              <a:ext cx="6886441" cy="0"/>
-            </a:xfrm>
-            <a:custGeom>
-              <a:avLst/>
-              <a:pathLst>
-                <a:path w="6886441" h="0">
-                  <a:moveTo>
-                    <a:pt x="0" y="0"/>
-                  </a:moveTo>
-                  <a:lnTo>
-                    <a:pt x="6886441" y="0"/>
-                  </a:lnTo>
-                  <a:lnTo>
-                    <a:pt x="6886441" y="0"/>
-                  </a:lnTo>
-                </a:path>
-              </a:pathLst>
-            </a:custGeom>
-            <a:ln w="13550" cap="flat">
-              <a:solidFill>
-                <a:srgbClr val="EBEBEB">
-                  <a:alpha val="100000"/>
-                </a:srgbClr>
-              </a:solidFill>
-              <a:prstDash val="solid"/>
-              <a:round/>
-            </a:ln>
-          </p:spPr>
-          <p:txBody>
-            <a:bodyPr/>
-            <a:lstStyle/>
-            <a:p/>
-          </p:txBody>
-        </p:sp>
-        <p:sp>
-          <p:nvSpPr>
-            <p:cNvPr id="17" name="pl17"/>
-            <p:cNvSpPr/>
-            <p:nvPr/>
-          </p:nvSpPr>
-          <p:spPr>
-            <a:xfrm>
-              <a:off x="5221934" y="1761070"/>
-              <a:ext cx="0" cy="6839678"/>
-            </a:xfrm>
-            <a:custGeom>
-              <a:avLst/>
-              <a:pathLst>
-                <a:path w="0" h="6839678">
-                  <a:moveTo>
-                    <a:pt x="0" y="6839678"/>
-                  </a:moveTo>
-                  <a:lnTo>
-                    <a:pt x="0" y="0"/>
-                  </a:lnTo>
-                  <a:lnTo>
-                    <a:pt x="0" y="0"/>
-                  </a:lnTo>
-                </a:path>
-              </a:pathLst>
-            </a:custGeom>
-            <a:ln w="13550" cap="flat">
-              <a:solidFill>
-                <a:srgbClr val="EBEBEB">
-                  <a:alpha val="100000"/>
-                </a:srgbClr>
-              </a:solidFill>
-              <a:prstDash val="solid"/>
-              <a:round/>
-            </a:ln>
-          </p:spPr>
-          <p:txBody>
-            <a:bodyPr/>
-            <a:lstStyle/>
-            <a:p/>
-          </p:txBody>
-        </p:sp>
-        <p:sp>
-          <p:nvSpPr>
-            <p:cNvPr id="18" name="pl18"/>
-            <p:cNvSpPr/>
-            <p:nvPr/>
-          </p:nvSpPr>
-          <p:spPr>
-            <a:xfrm>
-              <a:off x="6664423" y="1761070"/>
-              <a:ext cx="0" cy="6839678"/>
-            </a:xfrm>
-            <a:custGeom>
-              <a:avLst/>
-              <a:pathLst>
-                <a:path w="0" h="6839678">
-                  <a:moveTo>
-                    <a:pt x="0" y="6839678"/>
-                  </a:moveTo>
-                  <a:lnTo>
-                    <a:pt x="0" y="0"/>
-                  </a:lnTo>
-                  <a:lnTo>
-                    <a:pt x="0" y="0"/>
-                  </a:lnTo>
-                </a:path>
-              </a:pathLst>
-            </a:custGeom>
-            <a:ln w="13550" cap="flat">
-              <a:solidFill>
-                <a:srgbClr val="EBEBEB">
-                  <a:alpha val="100000"/>
-                </a:srgbClr>
-              </a:solidFill>
-              <a:prstDash val="solid"/>
-              <a:round/>
-            </a:ln>
-          </p:spPr>
-          <p:txBody>
-            <a:bodyPr/>
-            <a:lstStyle/>
-            <a:p/>
-          </p:txBody>
-        </p:sp>
-        <p:sp>
-          <p:nvSpPr>
-            <p:cNvPr id="19" name="pl19"/>
-            <p:cNvSpPr/>
-            <p:nvPr/>
-          </p:nvSpPr>
-          <p:spPr>
-            <a:xfrm>
-              <a:off x="8106911" y="1761070"/>
-              <a:ext cx="0" cy="6839678"/>
-            </a:xfrm>
-            <a:custGeom>
-              <a:avLst/>
-              <a:pathLst>
-                <a:path w="0" h="6839678">
-                  <a:moveTo>
-                    <a:pt x="0" y="6839678"/>
-                  </a:moveTo>
-                  <a:lnTo>
-                    <a:pt x="0" y="0"/>
-                  </a:lnTo>
-                  <a:lnTo>
-                    <a:pt x="0" y="0"/>
-                  </a:lnTo>
-                </a:path>
-              </a:pathLst>
-            </a:custGeom>
-            <a:ln w="13550" cap="flat">
-              <a:solidFill>
-                <a:srgbClr val="EBEBEB">
-                  <a:alpha val="100000"/>
-                </a:srgbClr>
-              </a:solidFill>
-              <a:prstDash val="solid"/>
-              <a:round/>
-            </a:ln>
-          </p:spPr>
-          <p:txBody>
-            <a:bodyPr/>
-            <a:lstStyle/>
-            <a:p/>
-          </p:txBody>
-        </p:sp>
-        <p:sp>
-          <p:nvSpPr>
-            <p:cNvPr id="20" name="pl20"/>
-            <p:cNvSpPr/>
-            <p:nvPr/>
-          </p:nvSpPr>
-          <p:spPr>
-            <a:xfrm>
-              <a:off x="9549400" y="1761070"/>
-              <a:ext cx="0" cy="6839678"/>
-            </a:xfrm>
-            <a:custGeom>
-              <a:avLst/>
-              <a:pathLst>
-                <a:path w="0" h="6839678">
-                  <a:moveTo>
-                    <a:pt x="0" y="6839678"/>
-                  </a:moveTo>
-                  <a:lnTo>
-                    <a:pt x="0" y="0"/>
-                  </a:lnTo>
-                  <a:lnTo>
-                    <a:pt x="0" y="0"/>
-                  </a:lnTo>
-                </a:path>
-              </a:pathLst>
-            </a:custGeom>
-            <a:ln w="13550" cap="flat">
-              <a:solidFill>
-                <a:srgbClr val="EBEBEB">
-                  <a:alpha val="100000"/>
-                </a:srgbClr>
-              </a:solidFill>
-              <a:prstDash val="solid"/>
-              <a:round/>
-            </a:ln>
-          </p:spPr>
-          <p:txBody>
-            <a:bodyPr/>
-            <a:lstStyle/>
-            <a:p/>
-          </p:txBody>
-        </p:sp>
-        <p:sp>
-          <p:nvSpPr>
-            <p:cNvPr id="21" name="pl21"/>
-            <p:cNvSpPr/>
-            <p:nvPr/>
-          </p:nvSpPr>
-          <p:spPr>
-            <a:xfrm>
-              <a:off x="10991889" y="1761070"/>
-              <a:ext cx="0" cy="6839678"/>
-            </a:xfrm>
-            <a:custGeom>
-              <a:avLst/>
-              <a:pathLst>
-                <a:path w="0" h="6839678">
-                  <a:moveTo>
-                    <a:pt x="0" y="6839678"/>
-                  </a:moveTo>
-                  <a:lnTo>
-                    <a:pt x="0" y="0"/>
-                  </a:lnTo>
-                  <a:lnTo>
-                    <a:pt x="0" y="0"/>
-                  </a:lnTo>
-                </a:path>
-              </a:pathLst>
-            </a:custGeom>
-            <a:ln w="13550" cap="flat">
-              <a:solidFill>
-                <a:srgbClr val="EBEBEB">
-                  <a:alpha val="100000"/>
-                </a:srgbClr>
-              </a:solidFill>
-              <a:prstDash val="solid"/>
-              <a:round/>
-            </a:ln>
-          </p:spPr>
-          <p:txBody>
-            <a:bodyPr/>
-            <a:lstStyle/>
-            <a:p/>
-          </p:txBody>
-        </p:sp>
-        <p:sp>
-          <p:nvSpPr>
-            <p:cNvPr id="22" name="pt22"/>
+            <p:cNvPr id="6" name="pt6"/>
             <p:cNvSpPr/>
             <p:nvPr/>
           </p:nvSpPr>
@@ -3935,7 +3247,7 @@
         </p:sp>
         <p:sp>
           <p:nvSpPr>
-            <p:cNvPr id="23" name="pt23"/>
+            <p:cNvPr id="7" name="pt7"/>
             <p:cNvSpPr/>
             <p:nvPr/>
           </p:nvSpPr>
@@ -3970,7 +3282,7 @@
         </p:sp>
         <p:sp>
           <p:nvSpPr>
-            <p:cNvPr id="24" name="pt24"/>
+            <p:cNvPr id="8" name="pt8"/>
             <p:cNvSpPr/>
             <p:nvPr/>
           </p:nvSpPr>
@@ -4005,7 +3317,7 @@
         </p:sp>
         <p:sp>
           <p:nvSpPr>
-            <p:cNvPr id="25" name="pt25"/>
+            <p:cNvPr id="9" name="pt9"/>
             <p:cNvSpPr/>
             <p:nvPr/>
           </p:nvSpPr>
@@ -4040,7 +3352,7 @@
         </p:sp>
         <p:sp>
           <p:nvSpPr>
-            <p:cNvPr id="26" name="pt26"/>
+            <p:cNvPr id="10" name="pt10"/>
             <p:cNvSpPr/>
             <p:nvPr/>
           </p:nvSpPr>
@@ -4075,7 +3387,7 @@
         </p:sp>
         <p:sp>
           <p:nvSpPr>
-            <p:cNvPr id="27" name="pt27"/>
+            <p:cNvPr id="11" name="pt11"/>
             <p:cNvSpPr/>
             <p:nvPr/>
           </p:nvSpPr>
@@ -4110,7 +3422,7 @@
         </p:sp>
         <p:sp>
           <p:nvSpPr>
-            <p:cNvPr id="28" name="pt28"/>
+            <p:cNvPr id="12" name="pt12"/>
             <p:cNvSpPr/>
             <p:nvPr/>
           </p:nvSpPr>
@@ -4145,7 +3457,7 @@
         </p:sp>
         <p:sp>
           <p:nvSpPr>
-            <p:cNvPr id="29" name="pt29"/>
+            <p:cNvPr id="13" name="pt13"/>
             <p:cNvSpPr/>
             <p:nvPr/>
           </p:nvSpPr>
@@ -4180,7 +3492,7 @@
         </p:sp>
         <p:sp>
           <p:nvSpPr>
-            <p:cNvPr id="30" name="pt30"/>
+            <p:cNvPr id="14" name="pt14"/>
             <p:cNvSpPr/>
             <p:nvPr/>
           </p:nvSpPr>
@@ -4215,7 +3527,7 @@
         </p:sp>
         <p:sp>
           <p:nvSpPr>
-            <p:cNvPr id="31" name="pt31"/>
+            <p:cNvPr id="15" name="pt15"/>
             <p:cNvSpPr/>
             <p:nvPr/>
           </p:nvSpPr>
@@ -4250,7 +3562,7 @@
         </p:sp>
         <p:sp>
           <p:nvSpPr>
-            <p:cNvPr id="32" name="pt32"/>
+            <p:cNvPr id="16" name="pt16"/>
             <p:cNvSpPr/>
             <p:nvPr/>
           </p:nvSpPr>
@@ -4285,7 +3597,7 @@
         </p:sp>
         <p:sp>
           <p:nvSpPr>
-            <p:cNvPr id="33" name="pt33"/>
+            <p:cNvPr id="17" name="pt17"/>
             <p:cNvSpPr/>
             <p:nvPr/>
           </p:nvSpPr>
@@ -4320,7 +3632,7 @@
         </p:sp>
         <p:sp>
           <p:nvSpPr>
-            <p:cNvPr id="34" name="pt34"/>
+            <p:cNvPr id="18" name="pt18"/>
             <p:cNvSpPr/>
             <p:nvPr/>
           </p:nvSpPr>
@@ -4355,7 +3667,7 @@
         </p:sp>
         <p:sp>
           <p:nvSpPr>
-            <p:cNvPr id="35" name="pt35"/>
+            <p:cNvPr id="19" name="pt19"/>
             <p:cNvSpPr/>
             <p:nvPr/>
           </p:nvSpPr>
@@ -4390,7 +3702,7 @@
         </p:sp>
         <p:sp>
           <p:nvSpPr>
-            <p:cNvPr id="36" name="pt36"/>
+            <p:cNvPr id="20" name="pt20"/>
             <p:cNvSpPr/>
             <p:nvPr/>
           </p:nvSpPr>
@@ -4425,7 +3737,7 @@
         </p:sp>
         <p:sp>
           <p:nvSpPr>
-            <p:cNvPr id="37" name="pt37"/>
+            <p:cNvPr id="21" name="pt21"/>
             <p:cNvSpPr/>
             <p:nvPr/>
           </p:nvSpPr>
@@ -4460,7 +3772,7 @@
         </p:sp>
         <p:sp>
           <p:nvSpPr>
-            <p:cNvPr id="38" name="pt38"/>
+            <p:cNvPr id="22" name="pt22"/>
             <p:cNvSpPr/>
             <p:nvPr/>
           </p:nvSpPr>
@@ -4495,7 +3807,7 @@
         </p:sp>
         <p:sp>
           <p:nvSpPr>
-            <p:cNvPr id="39" name="pt39"/>
+            <p:cNvPr id="23" name="pt23"/>
             <p:cNvSpPr/>
             <p:nvPr/>
           </p:nvSpPr>
@@ -4530,7 +3842,7 @@
         </p:sp>
         <p:sp>
           <p:nvSpPr>
-            <p:cNvPr id="40" name="pt40"/>
+            <p:cNvPr id="24" name="pt24"/>
             <p:cNvSpPr/>
             <p:nvPr/>
           </p:nvSpPr>
@@ -4565,7 +3877,7 @@
         </p:sp>
         <p:sp>
           <p:nvSpPr>
-            <p:cNvPr id="41" name="pt41"/>
+            <p:cNvPr id="25" name="pt25"/>
             <p:cNvSpPr/>
             <p:nvPr/>
           </p:nvSpPr>
@@ -4600,7 +3912,7 @@
         </p:sp>
         <p:sp>
           <p:nvSpPr>
-            <p:cNvPr id="42" name="pl42"/>
+            <p:cNvPr id="26" name="pl26"/>
             <p:cNvSpPr/>
             <p:nvPr/>
           </p:nvSpPr>
@@ -4694,7 +4006,7 @@
         </p:sp>
         <p:sp>
           <p:nvSpPr>
-            <p:cNvPr id="43" name="pg43"/>
+            <p:cNvPr id="27" name="pg27"/>
             <p:cNvSpPr/>
             <p:nvPr/>
           </p:nvSpPr>
@@ -4839,7 +4151,7 @@
         </p:sp>
         <p:sp>
           <p:nvSpPr>
-            <p:cNvPr id="44" name="rc44"/>
+            <p:cNvPr id="28" name="rc28"/>
             <p:cNvSpPr/>
             <p:nvPr/>
           </p:nvSpPr>
@@ -4869,7 +4181,7 @@
         </p:sp>
         <p:sp>
           <p:nvSpPr>
-            <p:cNvPr id="45" name="tx45"/>
+            <p:cNvPr id="29" name="tx29"/>
             <p:cNvSpPr/>
             <p:nvPr/>
           </p:nvSpPr>
@@ -4915,7 +4227,7 @@
         </p:sp>
         <p:sp>
           <p:nvSpPr>
-            <p:cNvPr id="46" name="tx46"/>
+            <p:cNvPr id="30" name="tx30"/>
             <p:cNvSpPr/>
             <p:nvPr/>
           </p:nvSpPr>
@@ -4961,7 +4273,7 @@
         </p:sp>
         <p:sp>
           <p:nvSpPr>
-            <p:cNvPr id="47" name="tx47"/>
+            <p:cNvPr id="31" name="tx31"/>
             <p:cNvSpPr/>
             <p:nvPr/>
           </p:nvSpPr>
@@ -5007,7 +4319,7 @@
         </p:sp>
         <p:sp>
           <p:nvSpPr>
-            <p:cNvPr id="48" name="pl48"/>
+            <p:cNvPr id="32" name="pl32"/>
             <p:cNvSpPr/>
             <p:nvPr/>
           </p:nvSpPr>
@@ -5047,7 +4359,7 @@
         </p:sp>
         <p:sp>
           <p:nvSpPr>
-            <p:cNvPr id="49" name="pl49"/>
+            <p:cNvPr id="33" name="pl33"/>
             <p:cNvSpPr/>
             <p:nvPr/>
           </p:nvSpPr>
@@ -5087,7 +4399,7 @@
         </p:sp>
         <p:sp>
           <p:nvSpPr>
-            <p:cNvPr id="50" name="pl50"/>
+            <p:cNvPr id="34" name="pl34"/>
             <p:cNvSpPr/>
             <p:nvPr/>
           </p:nvSpPr>
@@ -5127,7 +4439,7 @@
         </p:sp>
         <p:sp>
           <p:nvSpPr>
-            <p:cNvPr id="51" name="pl51"/>
+            <p:cNvPr id="35" name="pl35"/>
             <p:cNvSpPr/>
             <p:nvPr/>
           </p:nvSpPr>
@@ -5167,7 +4479,7 @@
         </p:sp>
         <p:sp>
           <p:nvSpPr>
-            <p:cNvPr id="52" name="pl52"/>
+            <p:cNvPr id="36" name="pl36"/>
             <p:cNvSpPr/>
             <p:nvPr/>
           </p:nvSpPr>
@@ -5207,7 +4519,7 @@
         </p:sp>
         <p:sp>
           <p:nvSpPr>
-            <p:cNvPr id="53" name="pl53"/>
+            <p:cNvPr id="37" name="pl37"/>
             <p:cNvSpPr/>
             <p:nvPr/>
           </p:nvSpPr>
@@ -5247,7 +4559,7 @@
         </p:sp>
         <p:sp>
           <p:nvSpPr>
-            <p:cNvPr id="54" name="pl54"/>
+            <p:cNvPr id="38" name="pl38"/>
             <p:cNvSpPr/>
             <p:nvPr/>
           </p:nvSpPr>
@@ -5287,7 +4599,7 @@
         </p:sp>
         <p:sp>
           <p:nvSpPr>
-            <p:cNvPr id="55" name="pl55"/>
+            <p:cNvPr id="39" name="pl39"/>
             <p:cNvSpPr/>
             <p:nvPr/>
           </p:nvSpPr>
@@ -5327,7 +4639,7 @@
         </p:sp>
         <p:sp>
           <p:nvSpPr>
-            <p:cNvPr id="56" name="tx56"/>
+            <p:cNvPr id="40" name="tx40"/>
             <p:cNvSpPr/>
             <p:nvPr/>
           </p:nvSpPr>
@@ -5373,7 +4685,7 @@
         </p:sp>
         <p:sp>
           <p:nvSpPr>
-            <p:cNvPr id="57" name="tx57"/>
+            <p:cNvPr id="41" name="tx41"/>
             <p:cNvSpPr/>
             <p:nvPr/>
           </p:nvSpPr>
@@ -5419,7 +4731,7 @@
         </p:sp>
         <p:sp>
           <p:nvSpPr>
-            <p:cNvPr id="58" name="tx58"/>
+            <p:cNvPr id="42" name="tx42"/>
             <p:cNvSpPr/>
             <p:nvPr/>
           </p:nvSpPr>
@@ -5465,7 +4777,7 @@
         </p:sp>
         <p:sp>
           <p:nvSpPr>
-            <p:cNvPr id="59" name="tx59"/>
+            <p:cNvPr id="43" name="tx43"/>
             <p:cNvSpPr/>
             <p:nvPr/>
           </p:nvSpPr>
@@ -5511,7 +4823,7 @@
         </p:sp>
         <p:sp>
           <p:nvSpPr>
-            <p:cNvPr id="60" name="tx60"/>
+            <p:cNvPr id="44" name="tx44"/>
             <p:cNvSpPr/>
             <p:nvPr/>
           </p:nvSpPr>
@@ -5557,14 +4869,14 @@
         </p:sp>
         <p:sp>
           <p:nvSpPr>
-            <p:cNvPr id="61" name="tx61"/>
+            <p:cNvPr id="45" name="tx45"/>
             <p:cNvSpPr/>
             <p:nvPr/>
           </p:nvSpPr>
           <p:spPr>
             <a:xfrm>
-              <a:off x="6710246" y="8777350"/>
-              <a:ext cx="1956686" cy="131167"/>
+              <a:off x="6582211" y="8777350"/>
+              <a:ext cx="2212757" cy="131167"/>
             </a:xfrm>
             <a:prstGeom prst="rect">
               <a:avLst/>
@@ -5596,14 +4908,14 @@
                   <a:latin typeface="Arial"/>
                   <a:cs typeface="Arial"/>
                 </a:rPr>
-                <a:t>Agricultural contribution to GDP</a:t>
+                <a:t>Agricultural contribution (%) to GDP</a:t>
               </a:r>
             </a:p>
           </p:txBody>
         </p:sp>
         <p:sp>
           <p:nvSpPr>
-            <p:cNvPr id="62" name="tx62"/>
+            <p:cNvPr id="46" name="tx46"/>
             <p:cNvSpPr/>
             <p:nvPr/>
           </p:nvSpPr>
